--- a/Decentralized Smart Energy Grid.pptx
+++ b/Decentralized Smart Energy Grid.pptx
@@ -5,19 +5,21 @@
     <p:sldMasterId id="2147483696" r:id="rId1"/>
   </p:sldMasterIdLst>
   <p:notesMasterIdLst>
-    <p:notesMasterId r:id="rId9"/>
+    <p:notesMasterId r:id="rId11"/>
   </p:notesMasterIdLst>
   <p:handoutMasterIdLst>
-    <p:handoutMasterId r:id="rId10"/>
+    <p:handoutMasterId r:id="rId12"/>
   </p:handoutMasterIdLst>
   <p:sldIdLst>
     <p:sldId id="263" r:id="rId2"/>
     <p:sldId id="269" r:id="rId3"/>
     <p:sldId id="270" r:id="rId4"/>
-    <p:sldId id="271" r:id="rId5"/>
-    <p:sldId id="272" r:id="rId6"/>
-    <p:sldId id="266" r:id="rId7"/>
-    <p:sldId id="273" r:id="rId8"/>
+    <p:sldId id="275" r:id="rId5"/>
+    <p:sldId id="271" r:id="rId6"/>
+    <p:sldId id="272" r:id="rId7"/>
+    <p:sldId id="266" r:id="rId8"/>
+    <p:sldId id="274" r:id="rId9"/>
+    <p:sldId id="273" r:id="rId10"/>
   </p:sldIdLst>
   <p:sldSz cx="12192000" cy="6858000"/>
   <p:notesSz cx="6858000" cy="9144000"/>
@@ -209,7 +211,7 @@
           <a:p>
             <a:fld id="{6FE60FF6-4F02-41AF-9D79-9820270FCBD6}" type="datetimeFigureOut">
               <a:rPr lang="en-US" smtClean="0"/>
-              <a:t>8/3/2022</a:t>
+              <a:t>8/10/2022</a:t>
             </a:fld>
             <a:endParaRPr lang="en-US" dirty="0"/>
           </a:p>
@@ -374,7 +376,7 @@
           <a:p>
             <a:fld id="{523609C5-75BB-4414-9338-7A1C0CAD17B5}" type="datetimeFigureOut">
               <a:rPr lang="en-US" smtClean="0"/>
-              <a:t>8/3/2022</a:t>
+              <a:t>8/10/2022</a:t>
             </a:fld>
             <a:endParaRPr lang="en-US" dirty="0"/>
           </a:p>
@@ -948,7 +950,7 @@
           <a:p>
             <a:fld id="{7F03E7ED-526C-43D7-BA41-7DEE51FD568E}" type="datetime1">
               <a:rPr lang="en-US" smtClean="0"/>
-              <a:t>8/3/2022</a:t>
+              <a:t>8/10/2022</a:t>
             </a:fld>
             <a:endParaRPr lang="en-US" dirty="0"/>
           </a:p>
@@ -1132,7 +1134,7 @@
           <a:p>
             <a:fld id="{B5BF403F-04F5-4D09-800D-7870715B9ED9}" type="datetime1">
               <a:rPr lang="en-US" smtClean="0"/>
-              <a:t>8/3/2022</a:t>
+              <a:t>8/10/2022</a:t>
             </a:fld>
             <a:endParaRPr lang="en-US" dirty="0"/>
           </a:p>
@@ -1326,7 +1328,7 @@
           <a:p>
             <a:fld id="{C677687C-0397-4298-B160-26D34EC67BB0}" type="datetime1">
               <a:rPr lang="en-US" smtClean="0"/>
-              <a:t>8/3/2022</a:t>
+              <a:t>8/10/2022</a:t>
             </a:fld>
             <a:endParaRPr lang="en-US" dirty="0"/>
           </a:p>
@@ -1510,7 +1512,7 @@
           <a:p>
             <a:fld id="{65965177-F084-49E7-ADEE-00812B3D582B}" type="datetime1">
               <a:rPr lang="en-US" smtClean="0"/>
-              <a:t>8/3/2022</a:t>
+              <a:t>8/10/2022</a:t>
             </a:fld>
             <a:endParaRPr lang="en-US" dirty="0"/>
           </a:p>
@@ -1819,7 +1821,7 @@
           <a:p>
             <a:fld id="{D67C39ED-27B9-4997-BF90-3A238D0607E9}" type="datetime1">
               <a:rPr lang="en-US" smtClean="0"/>
-              <a:t>8/3/2022</a:t>
+              <a:t>8/10/2022</a:t>
             </a:fld>
             <a:endParaRPr lang="en-US" dirty="0"/>
           </a:p>
@@ -2105,7 +2107,7 @@
           <a:p>
             <a:fld id="{23AC4FCC-F745-44A0-B2E4-C91714F31EB6}" type="datetime1">
               <a:rPr lang="en-US" smtClean="0"/>
-              <a:t>8/3/2022</a:t>
+              <a:t>8/10/2022</a:t>
             </a:fld>
             <a:endParaRPr lang="en-US" dirty="0"/>
           </a:p>
@@ -2607,7 +2609,7 @@
           <a:p>
             <a:fld id="{879D0EA4-DCC4-4D4C-953F-F31E92EE505C}" type="datetime1">
               <a:rPr lang="en-US" smtClean="0"/>
-              <a:t>8/3/2022</a:t>
+              <a:t>8/10/2022</a:t>
             </a:fld>
             <a:endParaRPr lang="en-US" dirty="0"/>
           </a:p>
@@ -2744,7 +2746,7 @@
           <a:p>
             <a:fld id="{F2542F08-6BA5-45A1-80AB-C11AC921B6C6}" type="datetime1">
               <a:rPr lang="en-US" smtClean="0"/>
-              <a:t>8/3/2022</a:t>
+              <a:t>8/10/2022</a:t>
             </a:fld>
             <a:endParaRPr lang="en-US" dirty="0"/>
           </a:p>
@@ -2854,7 +2856,7 @@
           <a:p>
             <a:fld id="{55CD82A9-7CD7-4D15-868B-D8AF30864858}" type="datetime1">
               <a:rPr lang="en-US" smtClean="0"/>
-              <a:t>8/3/2022</a:t>
+              <a:t>8/10/2022</a:t>
             </a:fld>
             <a:endParaRPr lang="en-US" dirty="0"/>
           </a:p>
@@ -3133,7 +3135,7 @@
           <a:p>
             <a:fld id="{37B6BC6A-4AB7-47F1-904A-90BC8DD816B4}" type="datetime1">
               <a:rPr lang="en-US" smtClean="0"/>
-              <a:t>8/3/2022</a:t>
+              <a:t>8/10/2022</a:t>
             </a:fld>
             <a:endParaRPr lang="en-US" dirty="0"/>
           </a:p>
@@ -3579,7 +3581,7 @@
           <a:p>
             <a:fld id="{4D80BC9A-EBF0-4E12-A1D3-DD221366B0A1}" type="datetime1">
               <a:rPr lang="en-US" smtClean="0"/>
-              <a:t>8/3/2022</a:t>
+              <a:t>8/10/2022</a:t>
             </a:fld>
             <a:endParaRPr lang="en-US" dirty="0"/>
           </a:p>
@@ -3904,7 +3906,7 @@
           <a:p>
             <a:fld id="{7157590A-740B-4548-A79B-F8E5167210D0}" type="datetime1">
               <a:rPr lang="en-US" smtClean="0"/>
-              <a:t>8/3/2022</a:t>
+              <a:t>8/10/2022</a:t>
             </a:fld>
             <a:endParaRPr lang="en-US" dirty="0"/>
           </a:p>
@@ -4440,7 +4442,7 @@
 </file>
 
 <file path=ppt/slides/slide2.xml><?xml version="1.0" encoding="utf-8"?>
-<p:sld xmlns:a="http://schemas.openxmlformats.org/drawingml/2006/main" xmlns:r="http://schemas.openxmlformats.org/officeDocument/2006/relationships" xmlns:p="http://schemas.openxmlformats.org/presentationml/2006/main">
+<p:sld xmlns:a="http://schemas.openxmlformats.org/drawingml/2006/main" xmlns:r="http://schemas.openxmlformats.org/officeDocument/2006/relationships" xmlns:p="http://schemas.openxmlformats.org/presentationml/2006/main" show="0">
   <p:cSld>
     <p:spTree>
       <p:nvGrpSpPr>
@@ -4466,7 +4468,12 @@
             <p:ph type="title"/>
           </p:nvPr>
         </p:nvSpPr>
-        <p:spPr/>
+        <p:spPr>
+          <a:xfrm>
+            <a:off x="2025684" y="304800"/>
+            <a:ext cx="10166316" cy="2286000"/>
+          </a:xfrm>
+        </p:spPr>
         <p:txBody>
           <a:bodyPr>
             <a:normAutofit/>
@@ -4474,7 +4481,7 @@
           <a:lstStyle/>
           <a:p>
             <a:r>
-              <a:rPr lang="en-US" sz="3600" dirty="0"/>
+              <a:rPr lang="en-US" sz="3200" dirty="0"/>
               <a:t>Increasing Demand for Renewable Energy</a:t>
             </a:r>
           </a:p>
@@ -4493,7 +4500,7 @@
             <a:picLocks noGrp="1" noChangeAspect="1"/>
           </p:cNvPicPr>
           <p:nvPr>
-            <p:ph idx="1"/>
+            <p:ph idx="4294967295"/>
           </p:nvPr>
         </p:nvPicPr>
         <p:blipFill>
@@ -4504,8 +4511,8 @@
         </p:blipFill>
         <p:spPr>
           <a:xfrm>
-            <a:off x="3403617" y="1447800"/>
-            <a:ext cx="7018304" cy="4800600"/>
+            <a:off x="3147979" y="1552073"/>
+            <a:ext cx="7018337" cy="4800600"/>
           </a:xfrm>
           <a:prstGeom prst="rect">
             <a:avLst/>
@@ -4522,13 +4529,13 @@
   <p:clrMapOvr>
     <a:masterClrMapping/>
   </p:clrMapOvr>
-  <mc:AlternateContent xmlns:mc="http://schemas.openxmlformats.org/markup-compatibility/2006" xmlns:p14="http://schemas.microsoft.com/office/powerpoint/2010/main">
-    <mc:Choice Requires="p14">
+  <mc:AlternateContent xmlns:mc="http://schemas.openxmlformats.org/markup-compatibility/2006">
+    <mc:Choice xmlns:p14="http://schemas.microsoft.com/office/powerpoint/2010/main" Requires="p14">
       <p:transition spd="med" p14:dur="700">
         <p:fade/>
       </p:transition>
     </mc:Choice>
-    <mc:Fallback xmlns="">
+    <mc:Fallback>
       <p:transition spd="med">
         <p:fade/>
       </p:transition>
@@ -4570,13 +4577,20 @@
             <p:ph type="title"/>
           </p:nvPr>
         </p:nvSpPr>
-        <p:spPr/>
-        <p:txBody>
-          <a:bodyPr/>
+        <p:spPr>
+          <a:xfrm>
+            <a:off x="1549265" y="1149372"/>
+            <a:ext cx="6327407" cy="741988"/>
+          </a:xfrm>
+        </p:spPr>
+        <p:txBody>
+          <a:bodyPr>
+            <a:normAutofit/>
+          </a:bodyPr>
           <a:lstStyle/>
           <a:p>
             <a:r>
-              <a:rPr lang="en-US" dirty="0"/>
+              <a:rPr lang="en-US" sz="4800" dirty="0"/>
               <a:t>The Four Star Grid</a:t>
             </a:r>
           </a:p>
@@ -4595,7 +4609,7 @@
             <a:picLocks noGrp="1" noChangeAspect="1"/>
           </p:cNvPicPr>
           <p:nvPr>
-            <p:ph idx="1"/>
+            <p:ph idx="4294967295"/>
           </p:nvPr>
         </p:nvPicPr>
         <p:blipFill>
@@ -4606,8 +4620,8 @@
         </p:blipFill>
         <p:spPr>
           <a:xfrm>
-            <a:off x="8057913" y="1307432"/>
-            <a:ext cx="840275" cy="898358"/>
+            <a:off x="8058157" y="1071897"/>
+            <a:ext cx="839787" cy="896938"/>
           </a:xfrm>
         </p:spPr>
       </p:pic>
@@ -4835,6 +4849,228 @@
       </p:grpSpPr>
       <p:sp>
         <p:nvSpPr>
+          <p:cNvPr id="4" name="Title 3">
+            <a:extLst>
+              <a:ext uri="{FF2B5EF4-FFF2-40B4-BE49-F238E27FC236}">
+                <a16:creationId xmlns:a16="http://schemas.microsoft.com/office/drawing/2014/main" id="{08B91773-06D1-0486-26B7-F21A3AA79205}"/>
+              </a:ext>
+            </a:extLst>
+          </p:cNvPr>
+          <p:cNvSpPr>
+            <a:spLocks noGrp="1"/>
+          </p:cNvSpPr>
+          <p:nvPr>
+            <p:ph type="title"/>
+          </p:nvPr>
+        </p:nvSpPr>
+        <p:spPr/>
+        <p:txBody>
+          <a:bodyPr/>
+          <a:lstStyle/>
+          <a:p>
+            <a:r>
+              <a:rPr lang="en-US" dirty="0"/>
+              <a:t>What is in the data</a:t>
+            </a:r>
+          </a:p>
+        </p:txBody>
+      </p:sp>
+      <p:sp>
+        <p:nvSpPr>
+          <p:cNvPr id="5" name="Content Placeholder 4">
+            <a:extLst>
+              <a:ext uri="{FF2B5EF4-FFF2-40B4-BE49-F238E27FC236}">
+                <a16:creationId xmlns:a16="http://schemas.microsoft.com/office/drawing/2014/main" id="{412763F5-C4DE-A7B6-BF0C-0B1AE2E00D25}"/>
+              </a:ext>
+            </a:extLst>
+          </p:cNvPr>
+          <p:cNvSpPr>
+            <a:spLocks noGrp="1"/>
+          </p:cNvSpPr>
+          <p:nvPr>
+            <p:ph idx="1"/>
+          </p:nvPr>
+        </p:nvSpPr>
+        <p:spPr/>
+        <p:txBody>
+          <a:bodyPr>
+            <a:normAutofit fontScale="85000" lnSpcReduction="10000"/>
+          </a:bodyPr>
+          <a:lstStyle/>
+          <a:p>
+            <a:r>
+              <a:rPr lang="en-US" dirty="0"/>
+              <a:t>What is in it</a:t>
+            </a:r>
+          </a:p>
+          <a:p>
+            <a:pPr lvl="1"/>
+            <a:r>
+              <a:rPr lang="en-US" dirty="0"/>
+              <a:t>Three key variables</a:t>
+            </a:r>
+          </a:p>
+          <a:p>
+            <a:pPr lvl="2"/>
+            <a:r>
+              <a:rPr lang="en-US" dirty="0"/>
+              <a:t>P- Power produced/consumed</a:t>
+            </a:r>
+          </a:p>
+          <a:p>
+            <a:pPr lvl="2"/>
+            <a:r>
+              <a:rPr lang="en-US" dirty="0"/>
+              <a:t>G- Coefficient proportional to price elasticity</a:t>
+            </a:r>
+          </a:p>
+          <a:p>
+            <a:pPr lvl="2"/>
+            <a:r>
+              <a:rPr lang="en-US" dirty="0"/>
+              <a:t>And T – Each participants reaction time to an electrical price change.</a:t>
+            </a:r>
+          </a:p>
+          <a:p>
+            <a:endParaRPr lang="en-US" dirty="0"/>
+          </a:p>
+          <a:p>
+            <a:r>
+              <a:rPr lang="en-US" dirty="0"/>
+              <a:t>What is it about</a:t>
+            </a:r>
+          </a:p>
+          <a:p>
+            <a:pPr lvl="1"/>
+            <a:r>
+              <a:rPr lang="en-US" dirty="0"/>
+              <a:t>Variables explore the stability during operation.</a:t>
+            </a:r>
+          </a:p>
+          <a:p>
+            <a:endParaRPr lang="en-US" dirty="0"/>
+          </a:p>
+          <a:p>
+            <a:r>
+              <a:rPr lang="en-US" dirty="0"/>
+              <a:t>Where did it come from</a:t>
+            </a:r>
+          </a:p>
+          <a:p>
+            <a:pPr lvl="1"/>
+            <a:r>
+              <a:rPr lang="en-US" dirty="0"/>
+              <a:t>Created by V. </a:t>
+            </a:r>
+            <a:r>
+              <a:rPr lang="en-US" dirty="0" err="1"/>
+              <a:t>Arzamasov</a:t>
+            </a:r>
+            <a:r>
+              <a:rPr lang="en-US" dirty="0"/>
+              <a:t>, Bohm K, </a:t>
+            </a:r>
+            <a:r>
+              <a:rPr lang="en-US" dirty="0" err="1"/>
+              <a:t>Jochem</a:t>
+            </a:r>
+            <a:r>
+              <a:rPr lang="en-US" dirty="0"/>
+              <a:t> P and provided to the UCI Machine Learning </a:t>
+            </a:r>
+            <a:r>
+              <a:rPr lang="en-US" dirty="0" err="1"/>
+              <a:t>Repositry</a:t>
+            </a:r>
+            <a:r>
+              <a:rPr lang="en-US" dirty="0"/>
+              <a:t>.</a:t>
+            </a:r>
+          </a:p>
+          <a:p>
+            <a:pPr lvl="1"/>
+            <a:endParaRPr lang="en-US" dirty="0"/>
+          </a:p>
+        </p:txBody>
+      </p:sp>
+    </p:spTree>
+    <p:extLst>
+      <p:ext uri="{BB962C8B-B14F-4D97-AF65-F5344CB8AC3E}">
+        <p14:creationId xmlns:p14="http://schemas.microsoft.com/office/powerpoint/2010/main" val="2569026292"/>
+      </p:ext>
+    </p:extLst>
+  </p:cSld>
+  <p:clrMapOvr>
+    <a:masterClrMapping/>
+  </p:clrMapOvr>
+  <mc:AlternateContent xmlns:mc="http://schemas.openxmlformats.org/markup-compatibility/2006" xmlns:p14="http://schemas.microsoft.com/office/powerpoint/2010/main">
+    <mc:Choice Requires="p14">
+      <p:transition spd="med" p14:dur="700">
+        <p:fade/>
+      </p:transition>
+    </mc:Choice>
+    <mc:Fallback xmlns="">
+      <p:transition spd="med">
+        <p:fade/>
+      </p:transition>
+    </mc:Fallback>
+  </mc:AlternateContent>
+</p:sld>
+</file>
+
+<file path=ppt/slides/slide5.xml><?xml version="1.0" encoding="utf-8"?>
+<p:sld xmlns:a="http://schemas.openxmlformats.org/drawingml/2006/main" xmlns:r="http://schemas.openxmlformats.org/officeDocument/2006/relationships" xmlns:p="http://schemas.openxmlformats.org/presentationml/2006/main">
+  <p:cSld>
+    <p:bg>
+      <p:bgPr>
+        <a:gradFill>
+          <a:gsLst>
+            <a:gs pos="0">
+              <a:schemeClr val="accent1">
+                <a:lumMod val="5000"/>
+                <a:lumOff val="95000"/>
+              </a:schemeClr>
+            </a:gs>
+            <a:gs pos="74000">
+              <a:schemeClr val="accent1">
+                <a:lumMod val="45000"/>
+                <a:lumOff val="55000"/>
+              </a:schemeClr>
+            </a:gs>
+            <a:gs pos="83000">
+              <a:schemeClr val="accent1">
+                <a:lumMod val="45000"/>
+                <a:lumOff val="55000"/>
+              </a:schemeClr>
+            </a:gs>
+            <a:gs pos="100000">
+              <a:schemeClr val="accent1">
+                <a:lumMod val="30000"/>
+                <a:lumOff val="70000"/>
+              </a:schemeClr>
+            </a:gs>
+          </a:gsLst>
+          <a:lin ang="5400000" scaled="1"/>
+        </a:gradFill>
+        <a:effectLst/>
+      </p:bgPr>
+    </p:bg>
+    <p:spTree>
+      <p:nvGrpSpPr>
+        <p:cNvPr id="1" name=""/>
+        <p:cNvGrpSpPr/>
+        <p:nvPr/>
+      </p:nvGrpSpPr>
+      <p:grpSpPr>
+        <a:xfrm>
+          <a:off x="0" y="0"/>
+          <a:ext cx="0" cy="0"/>
+          <a:chOff x="0" y="0"/>
+          <a:chExt cx="0" cy="0"/>
+        </a:xfrm>
+      </p:grpSpPr>
+      <p:sp>
+        <p:nvSpPr>
           <p:cNvPr id="10" name="Title 9">
             <a:extLst>
               <a:ext uri="{FF2B5EF4-FFF2-40B4-BE49-F238E27FC236}">
@@ -4915,7 +5151,7 @@
 </p:sld>
 </file>
 
-<file path=ppt/slides/slide5.xml><?xml version="1.0" encoding="utf-8"?>
+<file path=ppt/slides/slide6.xml><?xml version="1.0" encoding="utf-8"?>
 <p:sld xmlns:a="http://schemas.openxmlformats.org/drawingml/2006/main" xmlns:r="http://schemas.openxmlformats.org/officeDocument/2006/relationships" xmlns:p="http://schemas.openxmlformats.org/presentationml/2006/main">
   <p:cSld>
     <p:spTree>
@@ -4999,13 +5235,13 @@
   <p:clrMapOvr>
     <a:masterClrMapping/>
   </p:clrMapOvr>
-  <mc:AlternateContent xmlns:mc="http://schemas.openxmlformats.org/markup-compatibility/2006">
-    <mc:Choice xmlns:p14="http://schemas.microsoft.com/office/powerpoint/2010/main" Requires="p14">
+  <mc:AlternateContent xmlns:mc="http://schemas.openxmlformats.org/markup-compatibility/2006" xmlns:p14="http://schemas.microsoft.com/office/powerpoint/2010/main">
+    <mc:Choice Requires="p14">
       <p:transition spd="med" p14:dur="700">
         <p:fade/>
       </p:transition>
     </mc:Choice>
-    <mc:Fallback>
+    <mc:Fallback xmlns="">
       <p:transition spd="med">
         <p:fade/>
       </p:transition>
@@ -5014,7 +5250,7 @@
 </p:sld>
 </file>
 
-<file path=ppt/slides/slide6.xml><?xml version="1.0" encoding="utf-8"?>
+<file path=ppt/slides/slide7.xml><?xml version="1.0" encoding="utf-8"?>
 <p:sld xmlns:a="http://schemas.openxmlformats.org/drawingml/2006/main" xmlns:r="http://schemas.openxmlformats.org/officeDocument/2006/relationships" xmlns:p="http://schemas.openxmlformats.org/presentationml/2006/main">
   <p:cSld>
     <p:spTree>
@@ -5047,10 +5283,9 @@
           <a:lstStyle/>
           <a:p>
             <a:r>
-              <a:rPr lang="en-US"/>
-              <a:t>Two Content Layout with Table</a:t>
-            </a:r>
-            <a:endParaRPr lang="en-US" dirty="0"/>
+              <a:rPr lang="en-US" dirty="0"/>
+              <a:t>Results from testing</a:t>
+            </a:r>
           </a:p>
         </p:txBody>
       </p:sp>
@@ -5663,7 +5898,139 @@
 </p:sld>
 </file>
 
-<file path=ppt/slides/slide7.xml><?xml version="1.0" encoding="utf-8"?>
+<file path=ppt/slides/slide8.xml><?xml version="1.0" encoding="utf-8"?>
+<p:sld xmlns:a="http://schemas.openxmlformats.org/drawingml/2006/main" xmlns:r="http://schemas.openxmlformats.org/officeDocument/2006/relationships" xmlns:p="http://schemas.openxmlformats.org/presentationml/2006/main">
+  <p:cSld>
+    <p:spTree>
+      <p:nvGrpSpPr>
+        <p:cNvPr id="1" name=""/>
+        <p:cNvGrpSpPr/>
+        <p:nvPr/>
+      </p:nvGrpSpPr>
+      <p:grpSpPr>
+        <a:xfrm>
+          <a:off x="0" y="0"/>
+          <a:ext cx="0" cy="0"/>
+          <a:chOff x="0" y="0"/>
+          <a:chExt cx="0" cy="0"/>
+        </a:xfrm>
+      </p:grpSpPr>
+      <p:sp>
+        <p:nvSpPr>
+          <p:cNvPr id="2" name="Title 1">
+            <a:extLst>
+              <a:ext uri="{FF2B5EF4-FFF2-40B4-BE49-F238E27FC236}">
+                <a16:creationId xmlns:a16="http://schemas.microsoft.com/office/drawing/2014/main" id="{BDDE69FB-A9F8-7082-53DE-E1387E1AC7DA}"/>
+              </a:ext>
+            </a:extLst>
+          </p:cNvPr>
+          <p:cNvSpPr>
+            <a:spLocks noGrp="1"/>
+          </p:cNvSpPr>
+          <p:nvPr>
+            <p:ph type="title"/>
+          </p:nvPr>
+        </p:nvSpPr>
+        <p:spPr/>
+        <p:txBody>
+          <a:bodyPr/>
+          <a:lstStyle/>
+          <a:p>
+            <a:r>
+              <a:rPr lang="en-US" dirty="0"/>
+              <a:t>Recommendations</a:t>
+            </a:r>
+          </a:p>
+        </p:txBody>
+      </p:sp>
+      <p:sp>
+        <p:nvSpPr>
+          <p:cNvPr id="3" name="Content Placeholder 2">
+            <a:extLst>
+              <a:ext uri="{FF2B5EF4-FFF2-40B4-BE49-F238E27FC236}">
+                <a16:creationId xmlns:a16="http://schemas.microsoft.com/office/drawing/2014/main" id="{3BBFE105-AA26-CA57-A819-E845BAF4CC0F}"/>
+              </a:ext>
+            </a:extLst>
+          </p:cNvPr>
+          <p:cNvSpPr>
+            <a:spLocks noGrp="1"/>
+          </p:cNvSpPr>
+          <p:nvPr>
+            <p:ph sz="half" idx="1"/>
+          </p:nvPr>
+        </p:nvSpPr>
+        <p:spPr/>
+        <p:txBody>
+          <a:bodyPr/>
+          <a:lstStyle/>
+          <a:p>
+            <a:r>
+              <a:rPr lang="en-US" dirty="0"/>
+              <a:t>Real world tests</a:t>
+            </a:r>
+          </a:p>
+          <a:p>
+            <a:r>
+              <a:rPr lang="en-US"/>
+              <a:t>Testing with Prosumers</a:t>
+            </a:r>
+          </a:p>
+          <a:p>
+            <a:endParaRPr lang="en-US" dirty="0"/>
+          </a:p>
+        </p:txBody>
+      </p:sp>
+      <p:sp>
+        <p:nvSpPr>
+          <p:cNvPr id="4" name="Content Placeholder 3">
+            <a:extLst>
+              <a:ext uri="{FF2B5EF4-FFF2-40B4-BE49-F238E27FC236}">
+                <a16:creationId xmlns:a16="http://schemas.microsoft.com/office/drawing/2014/main" id="{E08609DB-77C6-CD11-671B-044E9CED605C}"/>
+              </a:ext>
+            </a:extLst>
+          </p:cNvPr>
+          <p:cNvSpPr>
+            <a:spLocks noGrp="1"/>
+          </p:cNvSpPr>
+          <p:nvPr>
+            <p:ph sz="half" idx="2"/>
+          </p:nvPr>
+        </p:nvSpPr>
+        <p:spPr/>
+        <p:txBody>
+          <a:bodyPr/>
+          <a:lstStyle/>
+          <a:p>
+            <a:endParaRPr lang="en-US"/>
+          </a:p>
+        </p:txBody>
+      </p:sp>
+    </p:spTree>
+    <p:extLst>
+      <p:ext uri="{BB962C8B-B14F-4D97-AF65-F5344CB8AC3E}">
+        <p14:creationId xmlns:p14="http://schemas.microsoft.com/office/powerpoint/2010/main" val="211835088"/>
+      </p:ext>
+    </p:extLst>
+  </p:cSld>
+  <p:clrMapOvr>
+    <a:masterClrMapping/>
+  </p:clrMapOvr>
+  <mc:AlternateContent xmlns:mc="http://schemas.openxmlformats.org/markup-compatibility/2006" xmlns:p14="http://schemas.microsoft.com/office/powerpoint/2010/main">
+    <mc:Choice Requires="p14">
+      <p:transition spd="med" p14:dur="700">
+        <p:fade/>
+      </p:transition>
+    </mc:Choice>
+    <mc:Fallback xmlns="">
+      <p:transition spd="med">
+        <p:fade/>
+      </p:transition>
+    </mc:Fallback>
+  </mc:AlternateContent>
+</p:sld>
+</file>
+
+<file path=ppt/slides/slide9.xml><?xml version="1.0" encoding="utf-8"?>
 <p:sld xmlns:a="http://schemas.openxmlformats.org/drawingml/2006/main" xmlns:r="http://schemas.openxmlformats.org/officeDocument/2006/relationships" xmlns:p="http://schemas.openxmlformats.org/presentationml/2006/main">
   <p:cSld>
     <p:spTree>
